--- a/Stock_Prediction_Presentation.pptx
+++ b/Stock_Prediction_Presentation.pptx
@@ -4222,7 +4222,7 @@
           <a:bodyPr/>
           <a:lstStyle/>
           <a:p>
-            <a:endParaRPr/>
+            <a:endParaRPr dirty="0"/>
           </a:p>
           <a:p>
             <a:pPr>
@@ -4232,6 +4232,7 @@
               <a:defRPr sz="1800"/>
             </a:pPr>
             <a:r>
+              <a:rPr dirty="0"/>
               <a:t>Time-Series Suitability: LSTMs capture long-term dependencies in sequential data like stock prices.</a:t>
             </a:r>
           </a:p>
@@ -4243,6 +4244,7 @@
               <a:defRPr sz="1800"/>
             </a:pPr>
             <a:r>
+              <a:rPr dirty="0"/>
               <a:t>Advantages:</a:t>
             </a:r>
           </a:p>
@@ -4254,6 +4256,7 @@
               <a:defRPr sz="1800"/>
             </a:pPr>
             <a:r>
+              <a:rPr dirty="0"/>
               <a:t>  - Handles non-linear patterns unlike traditional regression.</a:t>
             </a:r>
           </a:p>
@@ -4265,6 +4268,7 @@
               <a:defRPr sz="1800"/>
             </a:pPr>
             <a:r>
+              <a:rPr dirty="0"/>
               <a:t>  - Robust to noisy financial data.</a:t>
             </a:r>
           </a:p>
@@ -4276,6 +4280,7 @@
               <a:defRPr sz="1800"/>
             </a:pPr>
             <a:r>
+              <a:rPr dirty="0"/>
               <a:t>Alternatives Considered: ARIMA (less effective for non-linear trends), CNNs (less suited for sequential data).</a:t>
             </a:r>
           </a:p>
@@ -4519,7 +4524,7 @@
           </a:bodyPr>
           <a:lstStyle/>
           <a:p>
-            <a:endParaRPr/>
+            <a:endParaRPr dirty="0"/>
           </a:p>
           <a:p>
             <a:pPr>
@@ -4529,6 +4534,7 @@
               <a:defRPr sz="1800"/>
             </a:pPr>
             <a:r>
+              <a:rPr dirty="0"/>
               <a:t>Architecture:</a:t>
             </a:r>
           </a:p>
@@ -4540,6 +4546,7 @@
               <a:defRPr sz="1800"/>
             </a:pPr>
             <a:r>
+              <a:rPr dirty="0"/>
               <a:t>  - 2 LSTM layers (50 units each) to capture temporal patterns.</a:t>
             </a:r>
           </a:p>
@@ -4551,6 +4558,7 @@
               <a:defRPr sz="1800"/>
             </a:pPr>
             <a:r>
+              <a:rPr dirty="0"/>
               <a:t>  - Dropout (0.2) to prevent overfitting.</a:t>
             </a:r>
           </a:p>
@@ -4562,6 +4570,7 @@
               <a:defRPr sz="1800"/>
             </a:pPr>
             <a:r>
+              <a:rPr dirty="0"/>
               <a:t>  - Dense layer for single price prediction.</a:t>
             </a:r>
           </a:p>
@@ -4573,6 +4582,7 @@
               <a:defRPr sz="1800"/>
             </a:pPr>
             <a:r>
+              <a:rPr dirty="0"/>
               <a:t>Parameters:</a:t>
             </a:r>
           </a:p>
@@ -4584,7 +4594,36 @@
               <a:defRPr sz="1800"/>
             </a:pPr>
             <a:r>
-              <a:t>  - Look-back: 60 days (captures ~3 months of trends).</a:t>
+              <a:rPr dirty="0"/>
+              <a:t>  - Look-back: 60 </a:t>
+            </a:r>
+            <a:r>
+              <a:rPr lang="en-US" dirty="0" smtClean="0"/>
+              <a:t>trading </a:t>
+            </a:r>
+            <a:r>
+              <a:rPr dirty="0" smtClean="0"/>
+              <a:t>days </a:t>
+            </a:r>
+            <a:r>
+              <a:rPr dirty="0"/>
+              <a:t>(captures </a:t>
+            </a:r>
+            <a:r>
+              <a:rPr dirty="0" smtClean="0"/>
+              <a:t>~</a:t>
+            </a:r>
+            <a:r>
+              <a:rPr lang="en-US" dirty="0" smtClean="0"/>
+              <a:t>2</a:t>
+            </a:r>
+            <a:r>
+              <a:rPr dirty="0" smtClean="0"/>
+              <a:t> </a:t>
+            </a:r>
+            <a:r>
+              <a:rPr dirty="0"/>
+              <a:t>months of trends).</a:t>
             </a:r>
           </a:p>
           <a:p>
@@ -4595,6 +4634,7 @@
               <a:defRPr sz="1800"/>
             </a:pPr>
             <a:r>
+              <a:rPr dirty="0"/>
               <a:t>  - Epochs: 50, Batch Size: 32 (standard for convergence).</a:t>
             </a:r>
           </a:p>
@@ -4606,6 +4646,7 @@
               <a:defRPr sz="1800"/>
             </a:pPr>
             <a:r>
+              <a:rPr dirty="0"/>
               <a:t>  - Optimizer: Adam, Loss: Mean Squared Error (MSE).</a:t>
             </a:r>
           </a:p>
@@ -4617,6 +4658,7 @@
               <a:defRPr sz="1800"/>
             </a:pPr>
             <a:r>
+              <a:rPr dirty="0"/>
               <a:t>Why?: Balances model complexity, training stability, and computational efficiency.</a:t>
             </a:r>
           </a:p>
